--- a/ECU2/Layered Architecture.pptx
+++ b/ECU2/Layered Architecture.pptx
@@ -241,7 +241,7 @@
           <a:p>
             <a:fld id="{FBAD6444-CDEB-4A53-A199-15DDBCDF3A15}" type="datetimeFigureOut">
               <a:rPr lang="en-US" smtClean="0"/>
-              <a:t>4/14/2020</a:t>
+              <a:t>4/19/2020</a:t>
             </a:fld>
             <a:endParaRPr lang="en-US"/>
           </a:p>
@@ -409,7 +409,7 @@
           <a:p>
             <a:fld id="{FBAD6444-CDEB-4A53-A199-15DDBCDF3A15}" type="datetimeFigureOut">
               <a:rPr lang="en-US" smtClean="0"/>
-              <a:t>4/14/2020</a:t>
+              <a:t>4/19/2020</a:t>
             </a:fld>
             <a:endParaRPr lang="en-US"/>
           </a:p>
@@ -587,7 +587,7 @@
           <a:p>
             <a:fld id="{FBAD6444-CDEB-4A53-A199-15DDBCDF3A15}" type="datetimeFigureOut">
               <a:rPr lang="en-US" smtClean="0"/>
-              <a:t>4/14/2020</a:t>
+              <a:t>4/19/2020</a:t>
             </a:fld>
             <a:endParaRPr lang="en-US"/>
           </a:p>
@@ -755,7 +755,7 @@
           <a:p>
             <a:fld id="{FBAD6444-CDEB-4A53-A199-15DDBCDF3A15}" type="datetimeFigureOut">
               <a:rPr lang="en-US" smtClean="0"/>
-              <a:t>4/14/2020</a:t>
+              <a:t>4/19/2020</a:t>
             </a:fld>
             <a:endParaRPr lang="en-US"/>
           </a:p>
@@ -1000,7 +1000,7 @@
           <a:p>
             <a:fld id="{FBAD6444-CDEB-4A53-A199-15DDBCDF3A15}" type="datetimeFigureOut">
               <a:rPr lang="en-US" smtClean="0"/>
-              <a:t>4/14/2020</a:t>
+              <a:t>4/19/2020</a:t>
             </a:fld>
             <a:endParaRPr lang="en-US"/>
           </a:p>
@@ -1229,7 +1229,7 @@
           <a:p>
             <a:fld id="{FBAD6444-CDEB-4A53-A199-15DDBCDF3A15}" type="datetimeFigureOut">
               <a:rPr lang="en-US" smtClean="0"/>
-              <a:t>4/14/2020</a:t>
+              <a:t>4/19/2020</a:t>
             </a:fld>
             <a:endParaRPr lang="en-US"/>
           </a:p>
@@ -1593,7 +1593,7 @@
           <a:p>
             <a:fld id="{FBAD6444-CDEB-4A53-A199-15DDBCDF3A15}" type="datetimeFigureOut">
               <a:rPr lang="en-US" smtClean="0"/>
-              <a:t>4/14/2020</a:t>
+              <a:t>4/19/2020</a:t>
             </a:fld>
             <a:endParaRPr lang="en-US"/>
           </a:p>
@@ -1710,7 +1710,7 @@
           <a:p>
             <a:fld id="{FBAD6444-CDEB-4A53-A199-15DDBCDF3A15}" type="datetimeFigureOut">
               <a:rPr lang="en-US" smtClean="0"/>
-              <a:t>4/14/2020</a:t>
+              <a:t>4/19/2020</a:t>
             </a:fld>
             <a:endParaRPr lang="en-US"/>
           </a:p>
@@ -1805,7 +1805,7 @@
           <a:p>
             <a:fld id="{FBAD6444-CDEB-4A53-A199-15DDBCDF3A15}" type="datetimeFigureOut">
               <a:rPr lang="en-US" smtClean="0"/>
-              <a:t>4/14/2020</a:t>
+              <a:t>4/19/2020</a:t>
             </a:fld>
             <a:endParaRPr lang="en-US"/>
           </a:p>
@@ -2080,7 +2080,7 @@
           <a:p>
             <a:fld id="{FBAD6444-CDEB-4A53-A199-15DDBCDF3A15}" type="datetimeFigureOut">
               <a:rPr lang="en-US" smtClean="0"/>
-              <a:t>4/14/2020</a:t>
+              <a:t>4/19/2020</a:t>
             </a:fld>
             <a:endParaRPr lang="en-US"/>
           </a:p>
@@ -2332,7 +2332,7 @@
           <a:p>
             <a:fld id="{FBAD6444-CDEB-4A53-A199-15DDBCDF3A15}" type="datetimeFigureOut">
               <a:rPr lang="en-US" smtClean="0"/>
-              <a:t>4/14/2020</a:t>
+              <a:t>4/19/2020</a:t>
             </a:fld>
             <a:endParaRPr lang="en-US"/>
           </a:p>
@@ -2543,7 +2543,7 @@
           <a:p>
             <a:fld id="{FBAD6444-CDEB-4A53-A199-15DDBCDF3A15}" type="datetimeFigureOut">
               <a:rPr lang="en-US" smtClean="0"/>
-              <a:t>4/14/2020</a:t>
+              <a:t>4/19/2020</a:t>
             </a:fld>
             <a:endParaRPr lang="en-US"/>
           </a:p>
@@ -3367,8 +3367,8 @@
         </p:nvSpPr>
         <p:spPr>
           <a:xfrm>
-            <a:off x="1205644" y="2465448"/>
-            <a:ext cx="9676660" cy="2012163"/>
+            <a:off x="1205644" y="2503247"/>
+            <a:ext cx="9676660" cy="1095283"/>
           </a:xfrm>
           <a:prstGeom prst="rect">
             <a:avLst/>
@@ -3422,8 +3422,8 @@
         </p:nvSpPr>
         <p:spPr>
           <a:xfrm>
-            <a:off x="1205644" y="4682828"/>
-            <a:ext cx="9682668" cy="1828800"/>
+            <a:off x="1205644" y="3672570"/>
+            <a:ext cx="9682668" cy="2839057"/>
           </a:xfrm>
           <a:prstGeom prst="rect">
             <a:avLst/>
@@ -3456,7 +3456,7 @@
           <a:lstStyle/>
           <a:p>
             <a:pPr algn="ctr"/>
-            <a:endParaRPr lang="en-US"/>
+            <a:endParaRPr lang="en-US" dirty="0"/>
           </a:p>
         </p:txBody>
       </p:sp>
@@ -4099,8 +4099,8 @@
         </p:nvSpPr>
         <p:spPr>
           <a:xfrm>
-            <a:off x="1389627" y="4876488"/>
-            <a:ext cx="750455" cy="1551149"/>
+            <a:off x="1389627" y="3672572"/>
+            <a:ext cx="750455" cy="2755066"/>
           </a:xfrm>
           <a:prstGeom prst="roundRect">
             <a:avLst/>
@@ -4344,10 +4344,10 @@
       </p:sp>
       <p:grpSp>
         <p:nvGrpSpPr>
-          <p:cNvPr id="35" name="Group 34">
+          <p:cNvPr id="7" name="Group 6">
             <a:extLst>
               <a:ext uri="{FF2B5EF4-FFF2-40B4-BE49-F238E27FC236}">
-                <a16:creationId xmlns:a16="http://schemas.microsoft.com/office/drawing/2014/main" id="{3E637414-F61C-431B-82C9-9BE780DAFD08}"/>
+                <a16:creationId xmlns:a16="http://schemas.microsoft.com/office/drawing/2014/main" id="{735894F0-D9CA-4936-B5DA-656B605ACEDD}"/>
               </a:ext>
             </a:extLst>
           </p:cNvPr>
@@ -4356,10 +4356,10 @@
         </p:nvGrpSpPr>
         <p:grpSpPr>
           <a:xfrm>
-            <a:off x="3810908" y="1731823"/>
-            <a:ext cx="7273061" cy="1501113"/>
-            <a:chOff x="2673657" y="2148552"/>
-            <a:chExt cx="7273061" cy="1501113"/>
+            <a:off x="3773282" y="1717815"/>
+            <a:ext cx="3258132" cy="2593339"/>
+            <a:chOff x="3750456" y="1709791"/>
+            <a:chExt cx="3258132" cy="2593339"/>
           </a:xfrm>
         </p:grpSpPr>
         <p:grpSp>
@@ -4376,8 +4376,8 @@
           </p:nvGrpSpPr>
           <p:grpSpPr>
             <a:xfrm>
-              <a:off x="2673657" y="2148552"/>
-              <a:ext cx="7273061" cy="1501113"/>
+              <a:off x="3776364" y="1709791"/>
+              <a:ext cx="3232224" cy="2593339"/>
               <a:chOff x="3784159" y="1722671"/>
               <a:chExt cx="7273061" cy="1501113"/>
             </a:xfrm>
@@ -4671,7 +4671,7 @@
           </p:nvSpPr>
           <p:spPr>
             <a:xfrm flipV="1">
-              <a:off x="2701432" y="2759327"/>
+              <a:off x="3750456" y="2751315"/>
               <a:ext cx="141251" cy="180211"/>
             </a:xfrm>
             <a:prstGeom prst="triangle">
@@ -4927,6 +4927,206 @@
                 <a:cs typeface="Times New Roman" panose="02020603050405020304" pitchFamily="18" charset="0"/>
               </a:rPr>
               <a:t>BIT_MATH</a:t>
+            </a:r>
+          </a:p>
+        </p:txBody>
+      </p:sp>
+      <p:sp>
+        <p:nvSpPr>
+          <p:cNvPr id="47" name="Rounded Rectangle 14">
+            <a:extLst>
+              <a:ext uri="{FF2B5EF4-FFF2-40B4-BE49-F238E27FC236}">
+                <a16:creationId xmlns:a16="http://schemas.microsoft.com/office/drawing/2014/main" id="{34EFAB34-CACE-4504-B899-EB815731AED8}"/>
+              </a:ext>
+            </a:extLst>
+          </p:cNvPr>
+          <p:cNvSpPr/>
+          <p:nvPr/>
+        </p:nvSpPr>
+        <p:spPr>
+          <a:xfrm>
+            <a:off x="7018066" y="3837306"/>
+            <a:ext cx="3657184" cy="664098"/>
+          </a:xfrm>
+          <a:prstGeom prst="roundRect">
+            <a:avLst/>
+          </a:prstGeom>
+          <a:ln/>
+        </p:spPr>
+        <p:style>
+          <a:lnRef idx="2">
+            <a:schemeClr val="accent5">
+              <a:shade val="50000"/>
+            </a:schemeClr>
+          </a:lnRef>
+          <a:fillRef idx="1">
+            <a:schemeClr val="accent5"/>
+          </a:fillRef>
+          <a:effectRef idx="0">
+            <a:schemeClr val="accent5"/>
+          </a:effectRef>
+          <a:fontRef idx="minor">
+            <a:schemeClr val="lt1"/>
+          </a:fontRef>
+        </p:style>
+        <p:txBody>
+          <a:bodyPr rtlCol="0" anchor="ctr"/>
+          <a:lstStyle/>
+          <a:p>
+            <a:pPr algn="ctr"/>
+            <a:r>
+              <a:rPr lang="en-US" dirty="0"/>
+              <a:t>COMM</a:t>
+            </a:r>
+          </a:p>
+        </p:txBody>
+      </p:sp>
+      <p:sp>
+        <p:nvSpPr>
+          <p:cNvPr id="49" name="Rounded Rectangle 14">
+            <a:extLst>
+              <a:ext uri="{FF2B5EF4-FFF2-40B4-BE49-F238E27FC236}">
+                <a16:creationId xmlns:a16="http://schemas.microsoft.com/office/drawing/2014/main" id="{0548503B-E371-492E-A50B-2E1FDDD0E4B0}"/>
+              </a:ext>
+            </a:extLst>
+          </p:cNvPr>
+          <p:cNvSpPr/>
+          <p:nvPr/>
+        </p:nvSpPr>
+        <p:spPr>
+          <a:xfrm>
+            <a:off x="7031414" y="4749306"/>
+            <a:ext cx="3657184" cy="664098"/>
+          </a:xfrm>
+          <a:prstGeom prst="roundRect">
+            <a:avLst/>
+          </a:prstGeom>
+          <a:ln/>
+        </p:spPr>
+        <p:style>
+          <a:lnRef idx="2">
+            <a:schemeClr val="accent5">
+              <a:shade val="50000"/>
+            </a:schemeClr>
+          </a:lnRef>
+          <a:fillRef idx="1">
+            <a:schemeClr val="accent5"/>
+          </a:fillRef>
+          <a:effectRef idx="0">
+            <a:schemeClr val="accent5"/>
+          </a:effectRef>
+          <a:fontRef idx="minor">
+            <a:schemeClr val="lt1"/>
+          </a:fontRef>
+        </p:style>
+        <p:txBody>
+          <a:bodyPr rtlCol="0" anchor="ctr"/>
+          <a:lstStyle/>
+          <a:p>
+            <a:pPr algn="ctr"/>
+            <a:r>
+              <a:rPr lang="en-US" dirty="0"/>
+              <a:t>PDU Router</a:t>
+            </a:r>
+          </a:p>
+        </p:txBody>
+      </p:sp>
+      <p:sp>
+        <p:nvSpPr>
+          <p:cNvPr id="50" name="Rounded Rectangle 14">
+            <a:extLst>
+              <a:ext uri="{FF2B5EF4-FFF2-40B4-BE49-F238E27FC236}">
+                <a16:creationId xmlns:a16="http://schemas.microsoft.com/office/drawing/2014/main" id="{5D02AFCA-46E6-412A-A765-FC19F356CF5A}"/>
+              </a:ext>
+            </a:extLst>
+          </p:cNvPr>
+          <p:cNvSpPr/>
+          <p:nvPr/>
+        </p:nvSpPr>
+        <p:spPr>
+          <a:xfrm>
+            <a:off x="7018066" y="3848049"/>
+            <a:ext cx="3657184" cy="664098"/>
+          </a:xfrm>
+          <a:prstGeom prst="roundRect">
+            <a:avLst/>
+          </a:prstGeom>
+          <a:ln/>
+        </p:spPr>
+        <p:style>
+          <a:lnRef idx="2">
+            <a:schemeClr val="accent5">
+              <a:shade val="50000"/>
+            </a:schemeClr>
+          </a:lnRef>
+          <a:fillRef idx="1">
+            <a:schemeClr val="accent5"/>
+          </a:fillRef>
+          <a:effectRef idx="0">
+            <a:schemeClr val="accent5"/>
+          </a:effectRef>
+          <a:fontRef idx="minor">
+            <a:schemeClr val="lt1"/>
+          </a:fontRef>
+        </p:style>
+        <p:txBody>
+          <a:bodyPr rtlCol="0" anchor="ctr"/>
+          <a:lstStyle/>
+          <a:p>
+            <a:pPr algn="ctr"/>
+            <a:r>
+              <a:rPr lang="en-US" dirty="0"/>
+              <a:t>COMM</a:t>
+            </a:r>
+          </a:p>
+        </p:txBody>
+      </p:sp>
+      <p:sp>
+        <p:nvSpPr>
+          <p:cNvPr id="51" name="Rounded Rectangle 14">
+            <a:extLst>
+              <a:ext uri="{FF2B5EF4-FFF2-40B4-BE49-F238E27FC236}">
+                <a16:creationId xmlns:a16="http://schemas.microsoft.com/office/drawing/2014/main" id="{0EE46757-4635-4224-BA63-571707CDBA1A}"/>
+              </a:ext>
+            </a:extLst>
+          </p:cNvPr>
+          <p:cNvSpPr/>
+          <p:nvPr/>
+        </p:nvSpPr>
+        <p:spPr>
+          <a:xfrm>
+            <a:off x="7031414" y="4760049"/>
+            <a:ext cx="3657184" cy="664098"/>
+          </a:xfrm>
+          <a:prstGeom prst="roundRect">
+            <a:avLst/>
+          </a:prstGeom>
+          <a:ln/>
+        </p:spPr>
+        <p:style>
+          <a:lnRef idx="2">
+            <a:schemeClr val="accent5">
+              <a:shade val="50000"/>
+            </a:schemeClr>
+          </a:lnRef>
+          <a:fillRef idx="1">
+            <a:schemeClr val="accent5"/>
+          </a:fillRef>
+          <a:effectRef idx="0">
+            <a:schemeClr val="accent5"/>
+          </a:effectRef>
+          <a:fontRef idx="minor">
+            <a:schemeClr val="lt1"/>
+          </a:fontRef>
+        </p:style>
+        <p:txBody>
+          <a:bodyPr rtlCol="0" anchor="ctr"/>
+          <a:lstStyle/>
+          <a:p>
+            <a:pPr algn="ctr"/>
+            <a:r>
+              <a:rPr lang="en-US" dirty="0"/>
+              <a:t>PDU Router</a:t>
             </a:r>
           </a:p>
         </p:txBody>

--- a/ECU2/Layered Architecture.pptx
+++ b/ECU2/Layered Architecture.pptx
@@ -241,7 +241,7 @@
           <a:p>
             <a:fld id="{FBAD6444-CDEB-4A53-A199-15DDBCDF3A15}" type="datetimeFigureOut">
               <a:rPr lang="en-US" smtClean="0"/>
-              <a:t>4/19/2020</a:t>
+              <a:t>2020-04-19</a:t>
             </a:fld>
             <a:endParaRPr lang="en-US"/>
           </a:p>
@@ -409,7 +409,7 @@
           <a:p>
             <a:fld id="{FBAD6444-CDEB-4A53-A199-15DDBCDF3A15}" type="datetimeFigureOut">
               <a:rPr lang="en-US" smtClean="0"/>
-              <a:t>4/19/2020</a:t>
+              <a:t>2020-04-19</a:t>
             </a:fld>
             <a:endParaRPr lang="en-US"/>
           </a:p>
@@ -587,7 +587,7 @@
           <a:p>
             <a:fld id="{FBAD6444-CDEB-4A53-A199-15DDBCDF3A15}" type="datetimeFigureOut">
               <a:rPr lang="en-US" smtClean="0"/>
-              <a:t>4/19/2020</a:t>
+              <a:t>2020-04-19</a:t>
             </a:fld>
             <a:endParaRPr lang="en-US"/>
           </a:p>
@@ -755,7 +755,7 @@
           <a:p>
             <a:fld id="{FBAD6444-CDEB-4A53-A199-15DDBCDF3A15}" type="datetimeFigureOut">
               <a:rPr lang="en-US" smtClean="0"/>
-              <a:t>4/19/2020</a:t>
+              <a:t>2020-04-19</a:t>
             </a:fld>
             <a:endParaRPr lang="en-US"/>
           </a:p>
@@ -1000,7 +1000,7 @@
           <a:p>
             <a:fld id="{FBAD6444-CDEB-4A53-A199-15DDBCDF3A15}" type="datetimeFigureOut">
               <a:rPr lang="en-US" smtClean="0"/>
-              <a:t>4/19/2020</a:t>
+              <a:t>2020-04-19</a:t>
             </a:fld>
             <a:endParaRPr lang="en-US"/>
           </a:p>
@@ -1229,7 +1229,7 @@
           <a:p>
             <a:fld id="{FBAD6444-CDEB-4A53-A199-15DDBCDF3A15}" type="datetimeFigureOut">
               <a:rPr lang="en-US" smtClean="0"/>
-              <a:t>4/19/2020</a:t>
+              <a:t>2020-04-19</a:t>
             </a:fld>
             <a:endParaRPr lang="en-US"/>
           </a:p>
@@ -1593,7 +1593,7 @@
           <a:p>
             <a:fld id="{FBAD6444-CDEB-4A53-A199-15DDBCDF3A15}" type="datetimeFigureOut">
               <a:rPr lang="en-US" smtClean="0"/>
-              <a:t>4/19/2020</a:t>
+              <a:t>2020-04-19</a:t>
             </a:fld>
             <a:endParaRPr lang="en-US"/>
           </a:p>
@@ -1710,7 +1710,7 @@
           <a:p>
             <a:fld id="{FBAD6444-CDEB-4A53-A199-15DDBCDF3A15}" type="datetimeFigureOut">
               <a:rPr lang="en-US" smtClean="0"/>
-              <a:t>4/19/2020</a:t>
+              <a:t>2020-04-19</a:t>
             </a:fld>
             <a:endParaRPr lang="en-US"/>
           </a:p>
@@ -1805,7 +1805,7 @@
           <a:p>
             <a:fld id="{FBAD6444-CDEB-4A53-A199-15DDBCDF3A15}" type="datetimeFigureOut">
               <a:rPr lang="en-US" smtClean="0"/>
-              <a:t>4/19/2020</a:t>
+              <a:t>2020-04-19</a:t>
             </a:fld>
             <a:endParaRPr lang="en-US"/>
           </a:p>
@@ -2080,7 +2080,7 @@
           <a:p>
             <a:fld id="{FBAD6444-CDEB-4A53-A199-15DDBCDF3A15}" type="datetimeFigureOut">
               <a:rPr lang="en-US" smtClean="0"/>
-              <a:t>4/19/2020</a:t>
+              <a:t>2020-04-19</a:t>
             </a:fld>
             <a:endParaRPr lang="en-US"/>
           </a:p>
@@ -2332,7 +2332,7 @@
           <a:p>
             <a:fld id="{FBAD6444-CDEB-4A53-A199-15DDBCDF3A15}" type="datetimeFigureOut">
               <a:rPr lang="en-US" smtClean="0"/>
-              <a:t>4/19/2020</a:t>
+              <a:t>2020-04-19</a:t>
             </a:fld>
             <a:endParaRPr lang="en-US"/>
           </a:p>
@@ -2543,7 +2543,7 @@
           <a:p>
             <a:fld id="{FBAD6444-CDEB-4A53-A199-15DDBCDF3A15}" type="datetimeFigureOut">
               <a:rPr lang="en-US" smtClean="0"/>
-              <a:t>4/19/2020</a:t>
+              <a:t>2020-04-19</a:t>
             </a:fld>
             <a:endParaRPr lang="en-US"/>
           </a:p>
@@ -2948,6 +2948,104 @@
           <a:chExt cx="0" cy="0"/>
         </a:xfrm>
       </p:grpSpPr>
+      <p:sp>
+        <p:nvSpPr>
+          <p:cNvPr id="4" name="Rectangle 3"/>
+          <p:cNvSpPr/>
+          <p:nvPr/>
+        </p:nvSpPr>
+        <p:spPr>
+          <a:xfrm>
+            <a:off x="1216241" y="522697"/>
+            <a:ext cx="9676660" cy="1828800"/>
+          </a:xfrm>
+          <a:prstGeom prst="rect">
+            <a:avLst/>
+          </a:prstGeom>
+          <a:solidFill>
+            <a:schemeClr val="accent1">
+              <a:alpha val="50000"/>
+            </a:schemeClr>
+          </a:solidFill>
+          <a:ln>
+            <a:noFill/>
+          </a:ln>
+        </p:spPr>
+        <p:style>
+          <a:lnRef idx="0">
+            <a:scrgbClr r="0" g="0" b="0"/>
+          </a:lnRef>
+          <a:fillRef idx="0">
+            <a:scrgbClr r="0" g="0" b="0"/>
+          </a:fillRef>
+          <a:effectRef idx="0">
+            <a:scrgbClr r="0" g="0" b="0"/>
+          </a:effectRef>
+          <a:fontRef idx="minor">
+            <a:schemeClr val="lt1"/>
+          </a:fontRef>
+        </p:style>
+        <p:txBody>
+          <a:bodyPr rtlCol="0" anchor="ctr"/>
+          <a:lstStyle/>
+          <a:p>
+            <a:pPr algn="ctr"/>
+            <a:endParaRPr lang="en-US"/>
+          </a:p>
+        </p:txBody>
+      </p:sp>
+      <p:sp>
+        <p:nvSpPr>
+          <p:cNvPr id="88" name="Rectangle 87">
+            <a:extLst>
+              <a:ext uri="{FF2B5EF4-FFF2-40B4-BE49-F238E27FC236}">
+                <a16:creationId xmlns:a16="http://schemas.microsoft.com/office/drawing/2014/main" id="{6572BA62-1602-43D0-BAFB-FB8D3C928E50}"/>
+              </a:ext>
+            </a:extLst>
+          </p:cNvPr>
+          <p:cNvSpPr/>
+          <p:nvPr/>
+        </p:nvSpPr>
+        <p:spPr>
+          <a:xfrm>
+            <a:off x="1216241" y="502928"/>
+            <a:ext cx="9676660" cy="1828800"/>
+          </a:xfrm>
+          <a:prstGeom prst="rect">
+            <a:avLst/>
+          </a:prstGeom>
+          <a:solidFill>
+            <a:schemeClr val="accent1">
+              <a:alpha val="50000"/>
+            </a:schemeClr>
+          </a:solidFill>
+          <a:ln>
+            <a:noFill/>
+          </a:ln>
+        </p:spPr>
+        <p:style>
+          <a:lnRef idx="0">
+            <a:scrgbClr r="0" g="0" b="0"/>
+          </a:lnRef>
+          <a:fillRef idx="0">
+            <a:scrgbClr r="0" g="0" b="0"/>
+          </a:fillRef>
+          <a:effectRef idx="0">
+            <a:scrgbClr r="0" g="0" b="0"/>
+          </a:effectRef>
+          <a:fontRef idx="minor">
+            <a:schemeClr val="lt1"/>
+          </a:fontRef>
+        </p:style>
+        <p:txBody>
+          <a:bodyPr rtlCol="0" anchor="ctr"/>
+          <a:lstStyle/>
+          <a:p>
+            <a:pPr algn="ctr"/>
+            <a:endParaRPr lang="en-US" dirty="0"/>
+          </a:p>
+        </p:txBody>
+      </p:sp>
       <p:grpSp>
         <p:nvGrpSpPr>
           <p:cNvPr id="154" name="Group 153">
@@ -2963,7 +3061,7 @@
         <p:grpSpPr>
           <a:xfrm>
             <a:off x="6629269" y="1740888"/>
-            <a:ext cx="178198" cy="4100161"/>
+            <a:ext cx="177908" cy="3978421"/>
             <a:chOff x="2458759" y="1603097"/>
             <a:chExt cx="163333" cy="3736560"/>
           </a:xfrm>
@@ -3315,52 +3413,6 @@
       </p:grpSp>
       <p:sp>
         <p:nvSpPr>
-          <p:cNvPr id="4" name="Rectangle 3"/>
-          <p:cNvSpPr/>
-          <p:nvPr/>
-        </p:nvSpPr>
-        <p:spPr>
-          <a:xfrm>
-            <a:off x="1216241" y="522697"/>
-            <a:ext cx="9676660" cy="1828800"/>
-          </a:xfrm>
-          <a:prstGeom prst="rect">
-            <a:avLst/>
-          </a:prstGeom>
-          <a:solidFill>
-            <a:schemeClr val="accent1">
-              <a:alpha val="50000"/>
-            </a:schemeClr>
-          </a:solidFill>
-          <a:ln>
-            <a:noFill/>
-          </a:ln>
-        </p:spPr>
-        <p:style>
-          <a:lnRef idx="0">
-            <a:scrgbClr r="0" g="0" b="0"/>
-          </a:lnRef>
-          <a:fillRef idx="0">
-            <a:scrgbClr r="0" g="0" b="0"/>
-          </a:fillRef>
-          <a:effectRef idx="0">
-            <a:scrgbClr r="0" g="0" b="0"/>
-          </a:effectRef>
-          <a:fontRef idx="minor">
-            <a:schemeClr val="lt1"/>
-          </a:fontRef>
-        </p:style>
-        <p:txBody>
-          <a:bodyPr rtlCol="0" anchor="ctr"/>
-          <a:lstStyle/>
-          <a:p>
-            <a:pPr algn="ctr"/>
-            <a:endParaRPr lang="en-US"/>
-          </a:p>
-        </p:txBody>
-      </p:sp>
-      <p:sp>
-        <p:nvSpPr>
           <p:cNvPr id="5" name="Rectangle 4"/>
           <p:cNvSpPr/>
           <p:nvPr/>
@@ -3416,52 +3468,6 @@
       </p:sp>
       <p:sp>
         <p:nvSpPr>
-          <p:cNvPr id="6" name="Rectangle 5"/>
-          <p:cNvSpPr/>
-          <p:nvPr/>
-        </p:nvSpPr>
-        <p:spPr>
-          <a:xfrm>
-            <a:off x="1205644" y="3672570"/>
-            <a:ext cx="9682668" cy="2839057"/>
-          </a:xfrm>
-          <a:prstGeom prst="rect">
-            <a:avLst/>
-          </a:prstGeom>
-          <a:solidFill>
-            <a:schemeClr val="dk1">
-              <a:alpha val="50000"/>
-            </a:schemeClr>
-          </a:solidFill>
-          <a:ln>
-            <a:noFill/>
-          </a:ln>
-        </p:spPr>
-        <p:style>
-          <a:lnRef idx="0">
-            <a:scrgbClr r="0" g="0" b="0"/>
-          </a:lnRef>
-          <a:fillRef idx="0">
-            <a:scrgbClr r="0" g="0" b="0"/>
-          </a:fillRef>
-          <a:effectRef idx="0">
-            <a:scrgbClr r="0" g="0" b="0"/>
-          </a:effectRef>
-          <a:fontRef idx="minor">
-            <a:schemeClr val="lt1"/>
-          </a:fontRef>
-        </p:style>
-        <p:txBody>
-          <a:bodyPr rtlCol="0" anchor="ctr"/>
-          <a:lstStyle/>
-          <a:p>
-            <a:pPr algn="ctr"/>
-            <a:endParaRPr lang="en-US" dirty="0"/>
-          </a:p>
-        </p:txBody>
-      </p:sp>
-      <p:sp>
-        <p:nvSpPr>
           <p:cNvPr id="13" name="Rounded Rectangle 12"/>
           <p:cNvSpPr/>
           <p:nvPr/>
@@ -3500,50 +3506,6 @@
             <a:r>
               <a:rPr lang="en-US" dirty="0"/>
               <a:t>Dimmer</a:t>
-            </a:r>
-          </a:p>
-        </p:txBody>
-      </p:sp>
-      <p:sp>
-        <p:nvSpPr>
-          <p:cNvPr id="15" name="Rounded Rectangle 14"/>
-          <p:cNvSpPr/>
-          <p:nvPr/>
-        </p:nvSpPr>
-        <p:spPr>
-          <a:xfrm>
-            <a:off x="3455123" y="5719309"/>
-            <a:ext cx="7132127" cy="664098"/>
-          </a:xfrm>
-          <a:prstGeom prst="roundRect">
-            <a:avLst/>
-          </a:prstGeom>
-          <a:ln/>
-        </p:spPr>
-        <p:style>
-          <a:lnRef idx="2">
-            <a:schemeClr val="accent5">
-              <a:shade val="50000"/>
-            </a:schemeClr>
-          </a:lnRef>
-          <a:fillRef idx="1">
-            <a:schemeClr val="accent5"/>
-          </a:fillRef>
-          <a:effectRef idx="0">
-            <a:schemeClr val="accent5"/>
-          </a:effectRef>
-          <a:fontRef idx="minor">
-            <a:schemeClr val="lt1"/>
-          </a:fontRef>
-        </p:style>
-        <p:txBody>
-          <a:bodyPr rtlCol="0" anchor="ctr"/>
-          <a:lstStyle/>
-          <a:p>
-            <a:pPr algn="ctr"/>
-            <a:r>
-              <a:rPr lang="en-US" dirty="0"/>
-              <a:t>DIO</a:t>
             </a:r>
           </a:p>
         </p:txBody>
@@ -3935,58 +3897,6 @@
       </p:grpSp>
       <p:sp>
         <p:nvSpPr>
-          <p:cNvPr id="88" name="Rectangle 87">
-            <a:extLst>
-              <a:ext uri="{FF2B5EF4-FFF2-40B4-BE49-F238E27FC236}">
-                <a16:creationId xmlns:a16="http://schemas.microsoft.com/office/drawing/2014/main" id="{6572BA62-1602-43D0-BAFB-FB8D3C928E50}"/>
-              </a:ext>
-            </a:extLst>
-          </p:cNvPr>
-          <p:cNvSpPr/>
-          <p:nvPr/>
-        </p:nvSpPr>
-        <p:spPr>
-          <a:xfrm>
-            <a:off x="1216241" y="502928"/>
-            <a:ext cx="9676660" cy="1828800"/>
-          </a:xfrm>
-          <a:prstGeom prst="rect">
-            <a:avLst/>
-          </a:prstGeom>
-          <a:solidFill>
-            <a:schemeClr val="accent1">
-              <a:alpha val="50000"/>
-            </a:schemeClr>
-          </a:solidFill>
-          <a:ln>
-            <a:noFill/>
-          </a:ln>
-        </p:spPr>
-        <p:style>
-          <a:lnRef idx="0">
-            <a:scrgbClr r="0" g="0" b="0"/>
-          </a:lnRef>
-          <a:fillRef idx="0">
-            <a:scrgbClr r="0" g="0" b="0"/>
-          </a:fillRef>
-          <a:effectRef idx="0">
-            <a:scrgbClr r="0" g="0" b="0"/>
-          </a:effectRef>
-          <a:fontRef idx="minor">
-            <a:schemeClr val="lt1"/>
-          </a:fontRef>
-        </p:style>
-        <p:txBody>
-          <a:bodyPr rtlCol="0" anchor="ctr"/>
-          <a:lstStyle/>
-          <a:p>
-            <a:pPr algn="ctr"/>
-            <a:endParaRPr lang="en-US" dirty="0"/>
-          </a:p>
-        </p:txBody>
-      </p:sp>
-      <p:sp>
-        <p:nvSpPr>
           <p:cNvPr id="102" name="Rounded Rectangle 12">
             <a:extLst>
               <a:ext uri="{FF2B5EF4-FFF2-40B4-BE49-F238E27FC236}">
@@ -4081,106 +3991,6 @@
                 <a:cs typeface="Times New Roman" panose="02020603050405020304" pitchFamily="18" charset="0"/>
               </a:rPr>
               <a:t>Lighting </a:t>
-            </a:r>
-          </a:p>
-        </p:txBody>
-      </p:sp>
-      <p:sp>
-        <p:nvSpPr>
-          <p:cNvPr id="104" name="Rounded Rectangle 14">
-            <a:extLst>
-              <a:ext uri="{FF2B5EF4-FFF2-40B4-BE49-F238E27FC236}">
-                <a16:creationId xmlns:a16="http://schemas.microsoft.com/office/drawing/2014/main" id="{B232280A-FADE-47C8-8BD0-8A92E9858CEE}"/>
-              </a:ext>
-            </a:extLst>
-          </p:cNvPr>
-          <p:cNvSpPr/>
-          <p:nvPr/>
-        </p:nvSpPr>
-        <p:spPr>
-          <a:xfrm>
-            <a:off x="1389627" y="3672572"/>
-            <a:ext cx="750455" cy="2755066"/>
-          </a:xfrm>
-          <a:prstGeom prst="roundRect">
-            <a:avLst/>
-          </a:prstGeom>
-          <a:ln/>
-        </p:spPr>
-        <p:style>
-          <a:lnRef idx="2">
-            <a:schemeClr val="accent5">
-              <a:shade val="50000"/>
-            </a:schemeClr>
-          </a:lnRef>
-          <a:fillRef idx="1">
-            <a:schemeClr val="accent5"/>
-          </a:fillRef>
-          <a:effectRef idx="0">
-            <a:schemeClr val="accent5"/>
-          </a:effectRef>
-          <a:fontRef idx="minor">
-            <a:schemeClr val="lt1"/>
-          </a:fontRef>
-        </p:style>
-        <p:txBody>
-          <a:bodyPr rtlCol="0" anchor="ctr"/>
-          <a:lstStyle/>
-          <a:p>
-            <a:pPr algn="ctr"/>
-            <a:r>
-              <a:rPr lang="en-US" dirty="0"/>
-              <a:t>OS</a:t>
-            </a:r>
-          </a:p>
-        </p:txBody>
-      </p:sp>
-      <p:sp>
-        <p:nvSpPr>
-          <p:cNvPr id="105" name="Rounded Rectangle 14">
-            <a:extLst>
-              <a:ext uri="{FF2B5EF4-FFF2-40B4-BE49-F238E27FC236}">
-                <a16:creationId xmlns:a16="http://schemas.microsoft.com/office/drawing/2014/main" id="{5B9ADF7B-7706-40C5-880B-9C25DD47583C}"/>
-              </a:ext>
-            </a:extLst>
-          </p:cNvPr>
-          <p:cNvSpPr/>
-          <p:nvPr/>
-        </p:nvSpPr>
-        <p:spPr>
-          <a:xfrm>
-            <a:off x="2322180" y="5738641"/>
-            <a:ext cx="950845" cy="625433"/>
-          </a:xfrm>
-          <a:prstGeom prst="roundRect">
-            <a:avLst/>
-          </a:prstGeom>
-          <a:ln/>
-        </p:spPr>
-        <p:style>
-          <a:lnRef idx="2">
-            <a:schemeClr val="accent5">
-              <a:shade val="50000"/>
-            </a:schemeClr>
-          </a:lnRef>
-          <a:fillRef idx="1">
-            <a:schemeClr val="accent5"/>
-          </a:fillRef>
-          <a:effectRef idx="0">
-            <a:schemeClr val="accent5"/>
-          </a:effectRef>
-          <a:fontRef idx="minor">
-            <a:schemeClr val="lt1"/>
-          </a:fontRef>
-        </p:style>
-        <p:txBody>
-          <a:bodyPr rtlCol="0" anchor="ctr"/>
-          <a:lstStyle/>
-          <a:p>
-            <a:pPr algn="ctr"/>
-            <a:r>
-              <a:rPr lang="en-US" dirty="0"/>
-              <a:t>Timer</a:t>
             </a:r>
           </a:p>
         </p:txBody>
@@ -4342,6 +4152,821 @@
           </a:p>
         </p:txBody>
       </p:sp>
+      <p:sp>
+        <p:nvSpPr>
+          <p:cNvPr id="45" name="Rectangle 44">
+            <a:extLst>
+              <a:ext uri="{FF2B5EF4-FFF2-40B4-BE49-F238E27FC236}">
+                <a16:creationId xmlns:a16="http://schemas.microsoft.com/office/drawing/2014/main" id="{114D4079-91A0-496E-AAD3-028697979997}"/>
+              </a:ext>
+            </a:extLst>
+          </p:cNvPr>
+          <p:cNvSpPr/>
+          <p:nvPr/>
+        </p:nvSpPr>
+        <p:spPr>
+          <a:xfrm>
+            <a:off x="50596" y="502928"/>
+            <a:ext cx="1088854" cy="5988930"/>
+          </a:xfrm>
+          <a:prstGeom prst="rect">
+            <a:avLst/>
+          </a:prstGeom>
+          <a:solidFill>
+            <a:schemeClr val="accent6">
+              <a:alpha val="50000"/>
+            </a:schemeClr>
+          </a:solidFill>
+          <a:ln>
+            <a:noFill/>
+          </a:ln>
+        </p:spPr>
+        <p:style>
+          <a:lnRef idx="0">
+            <a:scrgbClr r="0" g="0" b="0"/>
+          </a:lnRef>
+          <a:fillRef idx="0">
+            <a:scrgbClr r="0" g="0" b="0"/>
+          </a:fillRef>
+          <a:effectRef idx="0">
+            <a:scrgbClr r="0" g="0" b="0"/>
+          </a:effectRef>
+          <a:fontRef idx="minor">
+            <a:schemeClr val="lt1"/>
+          </a:fontRef>
+        </p:style>
+        <p:txBody>
+          <a:bodyPr rtlCol="0" anchor="ctr"/>
+          <a:lstStyle/>
+          <a:p>
+            <a:pPr algn="ctr"/>
+            <a:endParaRPr lang="en-US" b="1" dirty="0">
+              <a:solidFill>
+                <a:schemeClr val="tx1"/>
+              </a:solidFill>
+              <a:latin typeface="Times New Roman" panose="02020603050405020304" pitchFamily="18" charset="0"/>
+              <a:cs typeface="Times New Roman" panose="02020603050405020304" pitchFamily="18" charset="0"/>
+            </a:endParaRPr>
+          </a:p>
+        </p:txBody>
+      </p:sp>
+      <p:sp>
+        <p:nvSpPr>
+          <p:cNvPr id="46" name="TextBox 45">
+            <a:extLst>
+              <a:ext uri="{FF2B5EF4-FFF2-40B4-BE49-F238E27FC236}">
+                <a16:creationId xmlns:a16="http://schemas.microsoft.com/office/drawing/2014/main" id="{64E741D2-A9FC-47EF-96AA-B8B5347338AE}"/>
+              </a:ext>
+            </a:extLst>
+          </p:cNvPr>
+          <p:cNvSpPr txBox="1"/>
+          <p:nvPr/>
+        </p:nvSpPr>
+        <p:spPr>
+          <a:xfrm>
+            <a:off x="-120553" y="898973"/>
+            <a:ext cx="1447060" cy="923330"/>
+          </a:xfrm>
+          <a:prstGeom prst="rect">
+            <a:avLst/>
+          </a:prstGeom>
+          <a:noFill/>
+        </p:spPr>
+        <p:txBody>
+          <a:bodyPr wrap="square" rtlCol="0">
+            <a:spAutoFit/>
+          </a:bodyPr>
+          <a:lstStyle/>
+          <a:p>
+            <a:pPr algn="ctr"/>
+            <a:r>
+              <a:rPr lang="en-US" b="1" dirty="0" err="1">
+                <a:latin typeface="Times New Roman" panose="02020603050405020304" pitchFamily="18" charset="0"/>
+                <a:cs typeface="Times New Roman" panose="02020603050405020304" pitchFamily="18" charset="0"/>
+              </a:rPr>
+              <a:t>Autosar</a:t>
+            </a:r>
+            <a:r>
+              <a:rPr lang="en-US" b="1" dirty="0">
+                <a:latin typeface="Times New Roman" panose="02020603050405020304" pitchFamily="18" charset="0"/>
+                <a:cs typeface="Times New Roman" panose="02020603050405020304" pitchFamily="18" charset="0"/>
+              </a:rPr>
+              <a:t> </a:t>
+            </a:r>
+          </a:p>
+          <a:p>
+            <a:pPr algn="ctr"/>
+            <a:r>
+              <a:rPr lang="en-US" b="1" dirty="0">
+                <a:latin typeface="Times New Roman" panose="02020603050405020304" pitchFamily="18" charset="0"/>
+                <a:cs typeface="Times New Roman" panose="02020603050405020304" pitchFamily="18" charset="0"/>
+              </a:rPr>
+              <a:t>Shared </a:t>
+            </a:r>
+          </a:p>
+          <a:p>
+            <a:pPr algn="ctr"/>
+            <a:r>
+              <a:rPr lang="en-US" b="1" dirty="0">
+                <a:latin typeface="Times New Roman" panose="02020603050405020304" pitchFamily="18" charset="0"/>
+                <a:cs typeface="Times New Roman" panose="02020603050405020304" pitchFamily="18" charset="0"/>
+              </a:rPr>
+              <a:t>libraries</a:t>
+            </a:r>
+          </a:p>
+        </p:txBody>
+      </p:sp>
+      <p:sp>
+        <p:nvSpPr>
+          <p:cNvPr id="10" name="Rectangle: Rounded Corners 9">
+            <a:extLst>
+              <a:ext uri="{FF2B5EF4-FFF2-40B4-BE49-F238E27FC236}">
+                <a16:creationId xmlns:a16="http://schemas.microsoft.com/office/drawing/2014/main" id="{635411A1-8D28-47D1-ABA3-7AA44870DFD6}"/>
+              </a:ext>
+            </a:extLst>
+          </p:cNvPr>
+          <p:cNvSpPr/>
+          <p:nvPr/>
+        </p:nvSpPr>
+        <p:spPr>
+          <a:xfrm>
+            <a:off x="108931" y="2843350"/>
+            <a:ext cx="972184" cy="484509"/>
+          </a:xfrm>
+          <a:prstGeom prst="roundRect">
+            <a:avLst/>
+          </a:prstGeom>
+        </p:spPr>
+        <p:style>
+          <a:lnRef idx="2">
+            <a:schemeClr val="accent6"/>
+          </a:lnRef>
+          <a:fillRef idx="1">
+            <a:schemeClr val="lt1"/>
+          </a:fillRef>
+          <a:effectRef idx="0">
+            <a:schemeClr val="accent6"/>
+          </a:effectRef>
+          <a:fontRef idx="minor">
+            <a:schemeClr val="dk1"/>
+          </a:fontRef>
+        </p:style>
+        <p:txBody>
+          <a:bodyPr rtlCol="0" anchor="ctr"/>
+          <a:lstStyle/>
+          <a:p>
+            <a:pPr algn="ctr"/>
+            <a:r>
+              <a:rPr lang="en-US" sz="1050" dirty="0">
+                <a:latin typeface="Times New Roman" panose="02020603050405020304" pitchFamily="18" charset="0"/>
+                <a:cs typeface="Times New Roman" panose="02020603050405020304" pitchFamily="18" charset="0"/>
+              </a:rPr>
+              <a:t>STD_TYPES</a:t>
+            </a:r>
+          </a:p>
+        </p:txBody>
+      </p:sp>
+      <p:sp>
+        <p:nvSpPr>
+          <p:cNvPr id="48" name="Rectangle: Rounded Corners 47">
+            <a:extLst>
+              <a:ext uri="{FF2B5EF4-FFF2-40B4-BE49-F238E27FC236}">
+                <a16:creationId xmlns:a16="http://schemas.microsoft.com/office/drawing/2014/main" id="{7A0616CD-A542-42F4-B64E-EFD5B03DED73}"/>
+              </a:ext>
+            </a:extLst>
+          </p:cNvPr>
+          <p:cNvSpPr/>
+          <p:nvPr/>
+        </p:nvSpPr>
+        <p:spPr>
+          <a:xfrm>
+            <a:off x="108931" y="3672571"/>
+            <a:ext cx="972184" cy="484509"/>
+          </a:xfrm>
+          <a:prstGeom prst="roundRect">
+            <a:avLst/>
+          </a:prstGeom>
+        </p:spPr>
+        <p:style>
+          <a:lnRef idx="2">
+            <a:schemeClr val="accent6"/>
+          </a:lnRef>
+          <a:fillRef idx="1">
+            <a:schemeClr val="lt1"/>
+          </a:fillRef>
+          <a:effectRef idx="0">
+            <a:schemeClr val="accent6"/>
+          </a:effectRef>
+          <a:fontRef idx="minor">
+            <a:schemeClr val="dk1"/>
+          </a:fontRef>
+        </p:style>
+        <p:txBody>
+          <a:bodyPr rtlCol="0" anchor="ctr"/>
+          <a:lstStyle/>
+          <a:p>
+            <a:pPr algn="ctr"/>
+            <a:r>
+              <a:rPr lang="en-US" sz="1100" dirty="0">
+                <a:latin typeface="Times New Roman" panose="02020603050405020304" pitchFamily="18" charset="0"/>
+                <a:cs typeface="Times New Roman" panose="02020603050405020304" pitchFamily="18" charset="0"/>
+              </a:rPr>
+              <a:t>BIT_MATH</a:t>
+            </a:r>
+          </a:p>
+        </p:txBody>
+      </p:sp>
+      <p:sp>
+        <p:nvSpPr>
+          <p:cNvPr id="52" name="Rectangle 51">
+            <a:extLst>
+              <a:ext uri="{FF2B5EF4-FFF2-40B4-BE49-F238E27FC236}">
+                <a16:creationId xmlns:a16="http://schemas.microsoft.com/office/drawing/2014/main" id="{9081E554-7051-43E2-9858-229AB4D7F310}"/>
+              </a:ext>
+            </a:extLst>
+          </p:cNvPr>
+          <p:cNvSpPr/>
+          <p:nvPr/>
+        </p:nvSpPr>
+        <p:spPr>
+          <a:xfrm>
+            <a:off x="1205644" y="5508188"/>
+            <a:ext cx="1906045" cy="1003440"/>
+          </a:xfrm>
+          <a:prstGeom prst="rect">
+            <a:avLst/>
+          </a:prstGeom>
+          <a:solidFill>
+            <a:schemeClr val="tx1">
+              <a:lumMod val="50000"/>
+              <a:lumOff val="50000"/>
+            </a:schemeClr>
+          </a:solidFill>
+        </p:spPr>
+        <p:style>
+          <a:lnRef idx="2">
+            <a:schemeClr val="accent1">
+              <a:shade val="50000"/>
+            </a:schemeClr>
+          </a:lnRef>
+          <a:fillRef idx="1">
+            <a:schemeClr val="accent1"/>
+          </a:fillRef>
+          <a:effectRef idx="0">
+            <a:schemeClr val="accent1"/>
+          </a:effectRef>
+          <a:fontRef idx="minor">
+            <a:schemeClr val="lt1"/>
+          </a:fontRef>
+        </p:style>
+        <p:txBody>
+          <a:bodyPr rtlCol="0" anchor="ctr"/>
+          <a:lstStyle/>
+          <a:p>
+            <a:pPr algn="ctr"/>
+            <a:endParaRPr lang="en-US"/>
+          </a:p>
+        </p:txBody>
+      </p:sp>
+      <p:sp>
+        <p:nvSpPr>
+          <p:cNvPr id="53" name="Rectangle 52">
+            <a:extLst>
+              <a:ext uri="{FF2B5EF4-FFF2-40B4-BE49-F238E27FC236}">
+                <a16:creationId xmlns:a16="http://schemas.microsoft.com/office/drawing/2014/main" id="{3ED8C01B-CA9C-48A3-90C9-98B1B0AD4771}"/>
+              </a:ext>
+            </a:extLst>
+          </p:cNvPr>
+          <p:cNvSpPr/>
+          <p:nvPr/>
+        </p:nvSpPr>
+        <p:spPr>
+          <a:xfrm>
+            <a:off x="1205644" y="3698000"/>
+            <a:ext cx="9682668" cy="1810188"/>
+          </a:xfrm>
+          <a:prstGeom prst="rect">
+            <a:avLst/>
+          </a:prstGeom>
+          <a:solidFill>
+            <a:schemeClr val="dk1">
+              <a:alpha val="50000"/>
+            </a:schemeClr>
+          </a:solidFill>
+          <a:ln>
+            <a:noFill/>
+          </a:ln>
+        </p:spPr>
+        <p:style>
+          <a:lnRef idx="0">
+            <a:scrgbClr r="0" g="0" b="0"/>
+          </a:lnRef>
+          <a:fillRef idx="0">
+            <a:scrgbClr r="0" g="0" b="0"/>
+          </a:fillRef>
+          <a:effectRef idx="0">
+            <a:scrgbClr r="0" g="0" b="0"/>
+          </a:effectRef>
+          <a:fontRef idx="minor">
+            <a:schemeClr val="lt1"/>
+          </a:fontRef>
+        </p:style>
+        <p:txBody>
+          <a:bodyPr rtlCol="0" anchor="ctr"/>
+          <a:lstStyle/>
+          <a:p>
+            <a:pPr algn="ctr"/>
+            <a:endParaRPr lang="en-US" dirty="0"/>
+          </a:p>
+        </p:txBody>
+      </p:sp>
+      <p:sp>
+        <p:nvSpPr>
+          <p:cNvPr id="54" name="Rectangle 53">
+            <a:extLst>
+              <a:ext uri="{FF2B5EF4-FFF2-40B4-BE49-F238E27FC236}">
+                <a16:creationId xmlns:a16="http://schemas.microsoft.com/office/drawing/2014/main" id="{940199E8-07BA-4882-A3FA-D198302EA36D}"/>
+              </a:ext>
+            </a:extLst>
+          </p:cNvPr>
+          <p:cNvSpPr/>
+          <p:nvPr/>
+        </p:nvSpPr>
+        <p:spPr>
+          <a:xfrm>
+            <a:off x="3295672" y="5610500"/>
+            <a:ext cx="7520348" cy="840413"/>
+          </a:xfrm>
+          <a:prstGeom prst="rect">
+            <a:avLst/>
+          </a:prstGeom>
+          <a:solidFill>
+            <a:srgbClr val="E98751"/>
+          </a:solidFill>
+        </p:spPr>
+        <p:style>
+          <a:lnRef idx="2">
+            <a:schemeClr val="accent1">
+              <a:shade val="50000"/>
+            </a:schemeClr>
+          </a:lnRef>
+          <a:fillRef idx="1">
+            <a:schemeClr val="accent1"/>
+          </a:fillRef>
+          <a:effectRef idx="0">
+            <a:schemeClr val="accent1"/>
+          </a:effectRef>
+          <a:fontRef idx="minor">
+            <a:schemeClr val="lt1"/>
+          </a:fontRef>
+        </p:style>
+        <p:txBody>
+          <a:bodyPr rtlCol="0" anchor="ctr"/>
+          <a:lstStyle/>
+          <a:p>
+            <a:pPr algn="ctr"/>
+            <a:endParaRPr lang="en-US"/>
+          </a:p>
+        </p:txBody>
+      </p:sp>
+      <p:sp>
+        <p:nvSpPr>
+          <p:cNvPr id="55" name="Rounded Rectangle 14">
+            <a:extLst>
+              <a:ext uri="{FF2B5EF4-FFF2-40B4-BE49-F238E27FC236}">
+                <a16:creationId xmlns:a16="http://schemas.microsoft.com/office/drawing/2014/main" id="{8FD382E1-758C-4BA0-B87B-04B55F381C3F}"/>
+              </a:ext>
+            </a:extLst>
+          </p:cNvPr>
+          <p:cNvSpPr/>
+          <p:nvPr/>
+        </p:nvSpPr>
+        <p:spPr>
+          <a:xfrm>
+            <a:off x="3455123" y="5719309"/>
+            <a:ext cx="7132127" cy="664098"/>
+          </a:xfrm>
+          <a:prstGeom prst="roundRect">
+            <a:avLst/>
+          </a:prstGeom>
+          <a:ln/>
+        </p:spPr>
+        <p:style>
+          <a:lnRef idx="2">
+            <a:schemeClr val="accent5">
+              <a:shade val="50000"/>
+            </a:schemeClr>
+          </a:lnRef>
+          <a:fillRef idx="1">
+            <a:schemeClr val="accent5"/>
+          </a:fillRef>
+          <a:effectRef idx="0">
+            <a:schemeClr val="accent5"/>
+          </a:effectRef>
+          <a:fontRef idx="minor">
+            <a:schemeClr val="lt1"/>
+          </a:fontRef>
+        </p:style>
+        <p:txBody>
+          <a:bodyPr rtlCol="0" anchor="ctr"/>
+          <a:lstStyle/>
+          <a:p>
+            <a:pPr algn="ctr"/>
+            <a:r>
+              <a:rPr lang="en-US" dirty="0"/>
+              <a:t>DIO</a:t>
+            </a:r>
+          </a:p>
+        </p:txBody>
+      </p:sp>
+      <p:sp>
+        <p:nvSpPr>
+          <p:cNvPr id="56" name="Rounded Rectangle 14">
+            <a:extLst>
+              <a:ext uri="{FF2B5EF4-FFF2-40B4-BE49-F238E27FC236}">
+                <a16:creationId xmlns:a16="http://schemas.microsoft.com/office/drawing/2014/main" id="{B350DEF5-F1BA-4D23-8E44-970EF7D2B294}"/>
+              </a:ext>
+            </a:extLst>
+          </p:cNvPr>
+          <p:cNvSpPr/>
+          <p:nvPr/>
+        </p:nvSpPr>
+        <p:spPr>
+          <a:xfrm>
+            <a:off x="1389627" y="3807138"/>
+            <a:ext cx="1570930" cy="2620500"/>
+          </a:xfrm>
+          <a:prstGeom prst="roundRect">
+            <a:avLst/>
+          </a:prstGeom>
+          <a:ln/>
+        </p:spPr>
+        <p:style>
+          <a:lnRef idx="2">
+            <a:schemeClr val="accent5">
+              <a:shade val="50000"/>
+            </a:schemeClr>
+          </a:lnRef>
+          <a:fillRef idx="1">
+            <a:schemeClr val="accent5"/>
+          </a:fillRef>
+          <a:effectRef idx="0">
+            <a:schemeClr val="accent5"/>
+          </a:effectRef>
+          <a:fontRef idx="minor">
+            <a:schemeClr val="lt1"/>
+          </a:fontRef>
+        </p:style>
+        <p:txBody>
+          <a:bodyPr rtlCol="0" anchor="ctr"/>
+          <a:lstStyle/>
+          <a:p>
+            <a:pPr algn="ctr"/>
+            <a:r>
+              <a:rPr lang="en-US" dirty="0"/>
+              <a:t>OS</a:t>
+            </a:r>
+          </a:p>
+        </p:txBody>
+      </p:sp>
+      <p:sp>
+        <p:nvSpPr>
+          <p:cNvPr id="57" name="Rounded Rectangle 14">
+            <a:extLst>
+              <a:ext uri="{FF2B5EF4-FFF2-40B4-BE49-F238E27FC236}">
+                <a16:creationId xmlns:a16="http://schemas.microsoft.com/office/drawing/2014/main" id="{13459468-FDAB-4B4A-981B-AC5ABC2AC766}"/>
+              </a:ext>
+            </a:extLst>
+          </p:cNvPr>
+          <p:cNvSpPr/>
+          <p:nvPr/>
+        </p:nvSpPr>
+        <p:spPr>
+          <a:xfrm>
+            <a:off x="1604750" y="5610500"/>
+            <a:ext cx="1165746" cy="625433"/>
+          </a:xfrm>
+          <a:prstGeom prst="roundRect">
+            <a:avLst/>
+          </a:prstGeom>
+          <a:ln/>
+        </p:spPr>
+        <p:style>
+          <a:lnRef idx="2">
+            <a:schemeClr val="accent5">
+              <a:shade val="50000"/>
+            </a:schemeClr>
+          </a:lnRef>
+          <a:fillRef idx="1">
+            <a:schemeClr val="accent5"/>
+          </a:fillRef>
+          <a:effectRef idx="0">
+            <a:schemeClr val="accent5"/>
+          </a:effectRef>
+          <a:fontRef idx="minor">
+            <a:schemeClr val="lt1"/>
+          </a:fontRef>
+        </p:style>
+        <p:txBody>
+          <a:bodyPr rtlCol="0" anchor="ctr"/>
+          <a:lstStyle/>
+          <a:p>
+            <a:pPr algn="ctr"/>
+            <a:r>
+              <a:rPr lang="en-US" dirty="0"/>
+              <a:t>Timer</a:t>
+            </a:r>
+          </a:p>
+        </p:txBody>
+      </p:sp>
+      <p:sp>
+        <p:nvSpPr>
+          <p:cNvPr id="58" name="Rounded Rectangle 14">
+            <a:extLst>
+              <a:ext uri="{FF2B5EF4-FFF2-40B4-BE49-F238E27FC236}">
+                <a16:creationId xmlns:a16="http://schemas.microsoft.com/office/drawing/2014/main" id="{EA8B1BD0-3511-4634-835B-287F1C2B7602}"/>
+              </a:ext>
+            </a:extLst>
+          </p:cNvPr>
+          <p:cNvSpPr/>
+          <p:nvPr/>
+        </p:nvSpPr>
+        <p:spPr>
+          <a:xfrm>
+            <a:off x="8312096" y="3843415"/>
+            <a:ext cx="2126628" cy="664098"/>
+          </a:xfrm>
+          <a:prstGeom prst="roundRect">
+            <a:avLst/>
+          </a:prstGeom>
+          <a:ln/>
+        </p:spPr>
+        <p:style>
+          <a:lnRef idx="2">
+            <a:schemeClr val="accent5">
+              <a:shade val="50000"/>
+            </a:schemeClr>
+          </a:lnRef>
+          <a:fillRef idx="1">
+            <a:schemeClr val="accent5"/>
+          </a:fillRef>
+          <a:effectRef idx="0">
+            <a:schemeClr val="accent5"/>
+          </a:effectRef>
+          <a:fontRef idx="minor">
+            <a:schemeClr val="lt1"/>
+          </a:fontRef>
+        </p:style>
+        <p:txBody>
+          <a:bodyPr rtlCol="0" anchor="ctr"/>
+          <a:lstStyle>
+            <a:defPPr>
+              <a:defRPr lang="en-US"/>
+            </a:defPPr>
+            <a:lvl1pPr marL="0" algn="l" defTabSz="914400" rtl="0" eaLnBrk="1" latinLnBrk="0" hangingPunct="1">
+              <a:defRPr sz="1800" kern="1200">
+                <a:solidFill>
+                  <a:schemeClr val="lt1"/>
+                </a:solidFill>
+                <a:latin typeface="+mn-lt"/>
+                <a:ea typeface="+mn-ea"/>
+                <a:cs typeface="+mn-cs"/>
+              </a:defRPr>
+            </a:lvl1pPr>
+            <a:lvl2pPr marL="457200" algn="l" defTabSz="914400" rtl="0" eaLnBrk="1" latinLnBrk="0" hangingPunct="1">
+              <a:defRPr sz="1800" kern="1200">
+                <a:solidFill>
+                  <a:schemeClr val="lt1"/>
+                </a:solidFill>
+                <a:latin typeface="+mn-lt"/>
+                <a:ea typeface="+mn-ea"/>
+                <a:cs typeface="+mn-cs"/>
+              </a:defRPr>
+            </a:lvl2pPr>
+            <a:lvl3pPr marL="914400" algn="l" defTabSz="914400" rtl="0" eaLnBrk="1" latinLnBrk="0" hangingPunct="1">
+              <a:defRPr sz="1800" kern="1200">
+                <a:solidFill>
+                  <a:schemeClr val="lt1"/>
+                </a:solidFill>
+                <a:latin typeface="+mn-lt"/>
+                <a:ea typeface="+mn-ea"/>
+                <a:cs typeface="+mn-cs"/>
+              </a:defRPr>
+            </a:lvl3pPr>
+            <a:lvl4pPr marL="1371600" algn="l" defTabSz="914400" rtl="0" eaLnBrk="1" latinLnBrk="0" hangingPunct="1">
+              <a:defRPr sz="1800" kern="1200">
+                <a:solidFill>
+                  <a:schemeClr val="lt1"/>
+                </a:solidFill>
+                <a:latin typeface="+mn-lt"/>
+                <a:ea typeface="+mn-ea"/>
+                <a:cs typeface="+mn-cs"/>
+              </a:defRPr>
+            </a:lvl4pPr>
+            <a:lvl5pPr marL="1828800" algn="l" defTabSz="914400" rtl="0" eaLnBrk="1" latinLnBrk="0" hangingPunct="1">
+              <a:defRPr sz="1800" kern="1200">
+                <a:solidFill>
+                  <a:schemeClr val="lt1"/>
+                </a:solidFill>
+                <a:latin typeface="+mn-lt"/>
+                <a:ea typeface="+mn-ea"/>
+                <a:cs typeface="+mn-cs"/>
+              </a:defRPr>
+            </a:lvl5pPr>
+            <a:lvl6pPr marL="2286000" algn="l" defTabSz="914400" rtl="0" eaLnBrk="1" latinLnBrk="0" hangingPunct="1">
+              <a:defRPr sz="1800" kern="1200">
+                <a:solidFill>
+                  <a:schemeClr val="lt1"/>
+                </a:solidFill>
+                <a:latin typeface="+mn-lt"/>
+                <a:ea typeface="+mn-ea"/>
+                <a:cs typeface="+mn-cs"/>
+              </a:defRPr>
+            </a:lvl6pPr>
+            <a:lvl7pPr marL="2743200" algn="l" defTabSz="914400" rtl="0" eaLnBrk="1" latinLnBrk="0" hangingPunct="1">
+              <a:defRPr sz="1800" kern="1200">
+                <a:solidFill>
+                  <a:schemeClr val="lt1"/>
+                </a:solidFill>
+                <a:latin typeface="+mn-lt"/>
+                <a:ea typeface="+mn-ea"/>
+                <a:cs typeface="+mn-cs"/>
+              </a:defRPr>
+            </a:lvl7pPr>
+            <a:lvl8pPr marL="3200400" algn="l" defTabSz="914400" rtl="0" eaLnBrk="1" latinLnBrk="0" hangingPunct="1">
+              <a:defRPr sz="1800" kern="1200">
+                <a:solidFill>
+                  <a:schemeClr val="lt1"/>
+                </a:solidFill>
+                <a:latin typeface="+mn-lt"/>
+                <a:ea typeface="+mn-ea"/>
+                <a:cs typeface="+mn-cs"/>
+              </a:defRPr>
+            </a:lvl8pPr>
+            <a:lvl9pPr marL="3657600" algn="l" defTabSz="914400" rtl="0" eaLnBrk="1" latinLnBrk="0" hangingPunct="1">
+              <a:defRPr sz="1800" kern="1200">
+                <a:solidFill>
+                  <a:schemeClr val="lt1"/>
+                </a:solidFill>
+                <a:latin typeface="+mn-lt"/>
+                <a:ea typeface="+mn-ea"/>
+                <a:cs typeface="+mn-cs"/>
+              </a:defRPr>
+            </a:lvl9pPr>
+          </a:lstStyle>
+          <a:p>
+            <a:pPr algn="ctr"/>
+            <a:r>
+              <a:rPr lang="en-US" dirty="0"/>
+              <a:t>COMM</a:t>
+            </a:r>
+          </a:p>
+        </p:txBody>
+      </p:sp>
+      <p:sp>
+        <p:nvSpPr>
+          <p:cNvPr id="59" name="Rounded Rectangle 14">
+            <a:extLst>
+              <a:ext uri="{FF2B5EF4-FFF2-40B4-BE49-F238E27FC236}">
+                <a16:creationId xmlns:a16="http://schemas.microsoft.com/office/drawing/2014/main" id="{C0D001D2-A0DA-4B04-A951-D75935B21ED2}"/>
+              </a:ext>
+            </a:extLst>
+          </p:cNvPr>
+          <p:cNvSpPr/>
+          <p:nvPr/>
+        </p:nvSpPr>
+        <p:spPr>
+          <a:xfrm>
+            <a:off x="8325444" y="4755415"/>
+            <a:ext cx="2126628" cy="664098"/>
+          </a:xfrm>
+          <a:prstGeom prst="roundRect">
+            <a:avLst/>
+          </a:prstGeom>
+          <a:ln/>
+        </p:spPr>
+        <p:style>
+          <a:lnRef idx="2">
+            <a:schemeClr val="accent5">
+              <a:shade val="50000"/>
+            </a:schemeClr>
+          </a:lnRef>
+          <a:fillRef idx="1">
+            <a:schemeClr val="accent5"/>
+          </a:fillRef>
+          <a:effectRef idx="0">
+            <a:schemeClr val="accent5"/>
+          </a:effectRef>
+          <a:fontRef idx="minor">
+            <a:schemeClr val="lt1"/>
+          </a:fontRef>
+        </p:style>
+        <p:txBody>
+          <a:bodyPr rtlCol="0" anchor="ctr"/>
+          <a:lstStyle>
+            <a:defPPr>
+              <a:defRPr lang="en-US"/>
+            </a:defPPr>
+            <a:lvl1pPr marL="0" algn="l" defTabSz="914400" rtl="0" eaLnBrk="1" latinLnBrk="0" hangingPunct="1">
+              <a:defRPr sz="1800" kern="1200">
+                <a:solidFill>
+                  <a:schemeClr val="lt1"/>
+                </a:solidFill>
+                <a:latin typeface="+mn-lt"/>
+                <a:ea typeface="+mn-ea"/>
+                <a:cs typeface="+mn-cs"/>
+              </a:defRPr>
+            </a:lvl1pPr>
+            <a:lvl2pPr marL="457200" algn="l" defTabSz="914400" rtl="0" eaLnBrk="1" latinLnBrk="0" hangingPunct="1">
+              <a:defRPr sz="1800" kern="1200">
+                <a:solidFill>
+                  <a:schemeClr val="lt1"/>
+                </a:solidFill>
+                <a:latin typeface="+mn-lt"/>
+                <a:ea typeface="+mn-ea"/>
+                <a:cs typeface="+mn-cs"/>
+              </a:defRPr>
+            </a:lvl2pPr>
+            <a:lvl3pPr marL="914400" algn="l" defTabSz="914400" rtl="0" eaLnBrk="1" latinLnBrk="0" hangingPunct="1">
+              <a:defRPr sz="1800" kern="1200">
+                <a:solidFill>
+                  <a:schemeClr val="lt1"/>
+                </a:solidFill>
+                <a:latin typeface="+mn-lt"/>
+                <a:ea typeface="+mn-ea"/>
+                <a:cs typeface="+mn-cs"/>
+              </a:defRPr>
+            </a:lvl3pPr>
+            <a:lvl4pPr marL="1371600" algn="l" defTabSz="914400" rtl="0" eaLnBrk="1" latinLnBrk="0" hangingPunct="1">
+              <a:defRPr sz="1800" kern="1200">
+                <a:solidFill>
+                  <a:schemeClr val="lt1"/>
+                </a:solidFill>
+                <a:latin typeface="+mn-lt"/>
+                <a:ea typeface="+mn-ea"/>
+                <a:cs typeface="+mn-cs"/>
+              </a:defRPr>
+            </a:lvl4pPr>
+            <a:lvl5pPr marL="1828800" algn="l" defTabSz="914400" rtl="0" eaLnBrk="1" latinLnBrk="0" hangingPunct="1">
+              <a:defRPr sz="1800" kern="1200">
+                <a:solidFill>
+                  <a:schemeClr val="lt1"/>
+                </a:solidFill>
+                <a:latin typeface="+mn-lt"/>
+                <a:ea typeface="+mn-ea"/>
+                <a:cs typeface="+mn-cs"/>
+              </a:defRPr>
+            </a:lvl5pPr>
+            <a:lvl6pPr marL="2286000" algn="l" defTabSz="914400" rtl="0" eaLnBrk="1" latinLnBrk="0" hangingPunct="1">
+              <a:defRPr sz="1800" kern="1200">
+                <a:solidFill>
+                  <a:schemeClr val="lt1"/>
+                </a:solidFill>
+                <a:latin typeface="+mn-lt"/>
+                <a:ea typeface="+mn-ea"/>
+                <a:cs typeface="+mn-cs"/>
+              </a:defRPr>
+            </a:lvl6pPr>
+            <a:lvl7pPr marL="2743200" algn="l" defTabSz="914400" rtl="0" eaLnBrk="1" latinLnBrk="0" hangingPunct="1">
+              <a:defRPr sz="1800" kern="1200">
+                <a:solidFill>
+                  <a:schemeClr val="lt1"/>
+                </a:solidFill>
+                <a:latin typeface="+mn-lt"/>
+                <a:ea typeface="+mn-ea"/>
+                <a:cs typeface="+mn-cs"/>
+              </a:defRPr>
+            </a:lvl7pPr>
+            <a:lvl8pPr marL="3200400" algn="l" defTabSz="914400" rtl="0" eaLnBrk="1" latinLnBrk="0" hangingPunct="1">
+              <a:defRPr sz="1800" kern="1200">
+                <a:solidFill>
+                  <a:schemeClr val="lt1"/>
+                </a:solidFill>
+                <a:latin typeface="+mn-lt"/>
+                <a:ea typeface="+mn-ea"/>
+                <a:cs typeface="+mn-cs"/>
+              </a:defRPr>
+            </a:lvl8pPr>
+            <a:lvl9pPr marL="3657600" algn="l" defTabSz="914400" rtl="0" eaLnBrk="1" latinLnBrk="0" hangingPunct="1">
+              <a:defRPr sz="1800" kern="1200">
+                <a:solidFill>
+                  <a:schemeClr val="lt1"/>
+                </a:solidFill>
+                <a:latin typeface="+mn-lt"/>
+                <a:ea typeface="+mn-ea"/>
+                <a:cs typeface="+mn-cs"/>
+              </a:defRPr>
+            </a:lvl9pPr>
+          </a:lstStyle>
+          <a:p>
+            <a:pPr algn="ctr"/>
+            <a:r>
+              <a:rPr lang="en-US" dirty="0"/>
+              <a:t>PDU Router</a:t>
+            </a:r>
+          </a:p>
+        </p:txBody>
+      </p:sp>
       <p:grpSp>
         <p:nvGrpSpPr>
           <p:cNvPr id="7" name="Group 6">
@@ -4357,7 +4982,7 @@
         <p:grpSpPr>
           <a:xfrm>
             <a:off x="3773282" y="1717815"/>
-            <a:ext cx="3258132" cy="2593339"/>
+            <a:ext cx="4538814" cy="2593339"/>
             <a:chOff x="3750456" y="1709791"/>
             <a:chExt cx="3258132" cy="2593339"/>
           </a:xfrm>
@@ -4670,9 +5295,9 @@
             <p:nvPr/>
           </p:nvSpPr>
           <p:spPr>
-            <a:xfrm flipV="1">
-              <a:off x="3750456" y="2751315"/>
-              <a:ext cx="141251" cy="180211"/>
+            <a:xfrm>
+              <a:off x="3750456" y="2514991"/>
+              <a:ext cx="144804" cy="236323"/>
             </a:xfrm>
             <a:prstGeom prst="triangle">
               <a:avLst/>
@@ -4707,430 +5332,6 @@
           </p:txBody>
         </p:sp>
       </p:grpSp>
-      <p:sp>
-        <p:nvSpPr>
-          <p:cNvPr id="45" name="Rectangle 44">
-            <a:extLst>
-              <a:ext uri="{FF2B5EF4-FFF2-40B4-BE49-F238E27FC236}">
-                <a16:creationId xmlns:a16="http://schemas.microsoft.com/office/drawing/2014/main" id="{114D4079-91A0-496E-AAD3-028697979997}"/>
-              </a:ext>
-            </a:extLst>
-          </p:cNvPr>
-          <p:cNvSpPr/>
-          <p:nvPr/>
-        </p:nvSpPr>
-        <p:spPr>
-          <a:xfrm>
-            <a:off x="50596" y="502928"/>
-            <a:ext cx="1088854" cy="5988930"/>
-          </a:xfrm>
-          <a:prstGeom prst="rect">
-            <a:avLst/>
-          </a:prstGeom>
-          <a:solidFill>
-            <a:schemeClr val="accent6">
-              <a:alpha val="50000"/>
-            </a:schemeClr>
-          </a:solidFill>
-          <a:ln>
-            <a:noFill/>
-          </a:ln>
-        </p:spPr>
-        <p:style>
-          <a:lnRef idx="0">
-            <a:scrgbClr r="0" g="0" b="0"/>
-          </a:lnRef>
-          <a:fillRef idx="0">
-            <a:scrgbClr r="0" g="0" b="0"/>
-          </a:fillRef>
-          <a:effectRef idx="0">
-            <a:scrgbClr r="0" g="0" b="0"/>
-          </a:effectRef>
-          <a:fontRef idx="minor">
-            <a:schemeClr val="lt1"/>
-          </a:fontRef>
-        </p:style>
-        <p:txBody>
-          <a:bodyPr rtlCol="0" anchor="ctr"/>
-          <a:lstStyle/>
-          <a:p>
-            <a:pPr algn="ctr"/>
-            <a:endParaRPr lang="en-US" b="1" dirty="0">
-              <a:solidFill>
-                <a:schemeClr val="tx1"/>
-              </a:solidFill>
-              <a:latin typeface="Times New Roman" panose="02020603050405020304" pitchFamily="18" charset="0"/>
-              <a:cs typeface="Times New Roman" panose="02020603050405020304" pitchFamily="18" charset="0"/>
-            </a:endParaRPr>
-          </a:p>
-        </p:txBody>
-      </p:sp>
-      <p:sp>
-        <p:nvSpPr>
-          <p:cNvPr id="46" name="TextBox 45">
-            <a:extLst>
-              <a:ext uri="{FF2B5EF4-FFF2-40B4-BE49-F238E27FC236}">
-                <a16:creationId xmlns:a16="http://schemas.microsoft.com/office/drawing/2014/main" id="{64E741D2-A9FC-47EF-96AA-B8B5347338AE}"/>
-              </a:ext>
-            </a:extLst>
-          </p:cNvPr>
-          <p:cNvSpPr txBox="1"/>
-          <p:nvPr/>
-        </p:nvSpPr>
-        <p:spPr>
-          <a:xfrm>
-            <a:off x="-120553" y="898973"/>
-            <a:ext cx="1447060" cy="923330"/>
-          </a:xfrm>
-          <a:prstGeom prst="rect">
-            <a:avLst/>
-          </a:prstGeom>
-          <a:noFill/>
-        </p:spPr>
-        <p:txBody>
-          <a:bodyPr wrap="square" rtlCol="0">
-            <a:spAutoFit/>
-          </a:bodyPr>
-          <a:lstStyle/>
-          <a:p>
-            <a:pPr algn="ctr"/>
-            <a:r>
-              <a:rPr lang="en-US" b="1" dirty="0" err="1">
-                <a:latin typeface="Times New Roman" panose="02020603050405020304" pitchFamily="18" charset="0"/>
-                <a:cs typeface="Times New Roman" panose="02020603050405020304" pitchFamily="18" charset="0"/>
-              </a:rPr>
-              <a:t>Autosar</a:t>
-            </a:r>
-            <a:r>
-              <a:rPr lang="en-US" b="1" dirty="0">
-                <a:latin typeface="Times New Roman" panose="02020603050405020304" pitchFamily="18" charset="0"/>
-                <a:cs typeface="Times New Roman" panose="02020603050405020304" pitchFamily="18" charset="0"/>
-              </a:rPr>
-              <a:t> </a:t>
-            </a:r>
-          </a:p>
-          <a:p>
-            <a:pPr algn="ctr"/>
-            <a:r>
-              <a:rPr lang="en-US" b="1" dirty="0">
-                <a:latin typeface="Times New Roman" panose="02020603050405020304" pitchFamily="18" charset="0"/>
-                <a:cs typeface="Times New Roman" panose="02020603050405020304" pitchFamily="18" charset="0"/>
-              </a:rPr>
-              <a:t>Shared </a:t>
-            </a:r>
-          </a:p>
-          <a:p>
-            <a:pPr algn="ctr"/>
-            <a:r>
-              <a:rPr lang="en-US" b="1" dirty="0">
-                <a:latin typeface="Times New Roman" panose="02020603050405020304" pitchFamily="18" charset="0"/>
-                <a:cs typeface="Times New Roman" panose="02020603050405020304" pitchFamily="18" charset="0"/>
-              </a:rPr>
-              <a:t>libraries</a:t>
-            </a:r>
-          </a:p>
-        </p:txBody>
-      </p:sp>
-      <p:sp>
-        <p:nvSpPr>
-          <p:cNvPr id="10" name="Rectangle: Rounded Corners 9">
-            <a:extLst>
-              <a:ext uri="{FF2B5EF4-FFF2-40B4-BE49-F238E27FC236}">
-                <a16:creationId xmlns:a16="http://schemas.microsoft.com/office/drawing/2014/main" id="{635411A1-8D28-47D1-ABA3-7AA44870DFD6}"/>
-              </a:ext>
-            </a:extLst>
-          </p:cNvPr>
-          <p:cNvSpPr/>
-          <p:nvPr/>
-        </p:nvSpPr>
-        <p:spPr>
-          <a:xfrm>
-            <a:off x="108931" y="2843350"/>
-            <a:ext cx="972184" cy="484509"/>
-          </a:xfrm>
-          <a:prstGeom prst="roundRect">
-            <a:avLst/>
-          </a:prstGeom>
-        </p:spPr>
-        <p:style>
-          <a:lnRef idx="2">
-            <a:schemeClr val="accent6"/>
-          </a:lnRef>
-          <a:fillRef idx="1">
-            <a:schemeClr val="lt1"/>
-          </a:fillRef>
-          <a:effectRef idx="0">
-            <a:schemeClr val="accent6"/>
-          </a:effectRef>
-          <a:fontRef idx="minor">
-            <a:schemeClr val="dk1"/>
-          </a:fontRef>
-        </p:style>
-        <p:txBody>
-          <a:bodyPr rtlCol="0" anchor="ctr"/>
-          <a:lstStyle/>
-          <a:p>
-            <a:pPr algn="ctr"/>
-            <a:r>
-              <a:rPr lang="en-US" sz="1050" dirty="0">
-                <a:latin typeface="Times New Roman" panose="02020603050405020304" pitchFamily="18" charset="0"/>
-                <a:cs typeface="Times New Roman" panose="02020603050405020304" pitchFamily="18" charset="0"/>
-              </a:rPr>
-              <a:t>STD_TYPES</a:t>
-            </a:r>
-          </a:p>
-        </p:txBody>
-      </p:sp>
-      <p:sp>
-        <p:nvSpPr>
-          <p:cNvPr id="48" name="Rectangle: Rounded Corners 47">
-            <a:extLst>
-              <a:ext uri="{FF2B5EF4-FFF2-40B4-BE49-F238E27FC236}">
-                <a16:creationId xmlns:a16="http://schemas.microsoft.com/office/drawing/2014/main" id="{7A0616CD-A542-42F4-B64E-EFD5B03DED73}"/>
-              </a:ext>
-            </a:extLst>
-          </p:cNvPr>
-          <p:cNvSpPr/>
-          <p:nvPr/>
-        </p:nvSpPr>
-        <p:spPr>
-          <a:xfrm>
-            <a:off x="108931" y="3672571"/>
-            <a:ext cx="972184" cy="484509"/>
-          </a:xfrm>
-          <a:prstGeom prst="roundRect">
-            <a:avLst/>
-          </a:prstGeom>
-        </p:spPr>
-        <p:style>
-          <a:lnRef idx="2">
-            <a:schemeClr val="accent6"/>
-          </a:lnRef>
-          <a:fillRef idx="1">
-            <a:schemeClr val="lt1"/>
-          </a:fillRef>
-          <a:effectRef idx="0">
-            <a:schemeClr val="accent6"/>
-          </a:effectRef>
-          <a:fontRef idx="minor">
-            <a:schemeClr val="dk1"/>
-          </a:fontRef>
-        </p:style>
-        <p:txBody>
-          <a:bodyPr rtlCol="0" anchor="ctr"/>
-          <a:lstStyle/>
-          <a:p>
-            <a:pPr algn="ctr"/>
-            <a:r>
-              <a:rPr lang="en-US" sz="1100" dirty="0">
-                <a:latin typeface="Times New Roman" panose="02020603050405020304" pitchFamily="18" charset="0"/>
-                <a:cs typeface="Times New Roman" panose="02020603050405020304" pitchFamily="18" charset="0"/>
-              </a:rPr>
-              <a:t>BIT_MATH</a:t>
-            </a:r>
-          </a:p>
-        </p:txBody>
-      </p:sp>
-      <p:sp>
-        <p:nvSpPr>
-          <p:cNvPr id="47" name="Rounded Rectangle 14">
-            <a:extLst>
-              <a:ext uri="{FF2B5EF4-FFF2-40B4-BE49-F238E27FC236}">
-                <a16:creationId xmlns:a16="http://schemas.microsoft.com/office/drawing/2014/main" id="{34EFAB34-CACE-4504-B899-EB815731AED8}"/>
-              </a:ext>
-            </a:extLst>
-          </p:cNvPr>
-          <p:cNvSpPr/>
-          <p:nvPr/>
-        </p:nvSpPr>
-        <p:spPr>
-          <a:xfrm>
-            <a:off x="7018066" y="3837306"/>
-            <a:ext cx="3657184" cy="664098"/>
-          </a:xfrm>
-          <a:prstGeom prst="roundRect">
-            <a:avLst/>
-          </a:prstGeom>
-          <a:ln/>
-        </p:spPr>
-        <p:style>
-          <a:lnRef idx="2">
-            <a:schemeClr val="accent5">
-              <a:shade val="50000"/>
-            </a:schemeClr>
-          </a:lnRef>
-          <a:fillRef idx="1">
-            <a:schemeClr val="accent5"/>
-          </a:fillRef>
-          <a:effectRef idx="0">
-            <a:schemeClr val="accent5"/>
-          </a:effectRef>
-          <a:fontRef idx="minor">
-            <a:schemeClr val="lt1"/>
-          </a:fontRef>
-        </p:style>
-        <p:txBody>
-          <a:bodyPr rtlCol="0" anchor="ctr"/>
-          <a:lstStyle/>
-          <a:p>
-            <a:pPr algn="ctr"/>
-            <a:r>
-              <a:rPr lang="en-US" dirty="0"/>
-              <a:t>COMM</a:t>
-            </a:r>
-          </a:p>
-        </p:txBody>
-      </p:sp>
-      <p:sp>
-        <p:nvSpPr>
-          <p:cNvPr id="49" name="Rounded Rectangle 14">
-            <a:extLst>
-              <a:ext uri="{FF2B5EF4-FFF2-40B4-BE49-F238E27FC236}">
-                <a16:creationId xmlns:a16="http://schemas.microsoft.com/office/drawing/2014/main" id="{0548503B-E371-492E-A50B-2E1FDDD0E4B0}"/>
-              </a:ext>
-            </a:extLst>
-          </p:cNvPr>
-          <p:cNvSpPr/>
-          <p:nvPr/>
-        </p:nvSpPr>
-        <p:spPr>
-          <a:xfrm>
-            <a:off x="7031414" y="4749306"/>
-            <a:ext cx="3657184" cy="664098"/>
-          </a:xfrm>
-          <a:prstGeom prst="roundRect">
-            <a:avLst/>
-          </a:prstGeom>
-          <a:ln/>
-        </p:spPr>
-        <p:style>
-          <a:lnRef idx="2">
-            <a:schemeClr val="accent5">
-              <a:shade val="50000"/>
-            </a:schemeClr>
-          </a:lnRef>
-          <a:fillRef idx="1">
-            <a:schemeClr val="accent5"/>
-          </a:fillRef>
-          <a:effectRef idx="0">
-            <a:schemeClr val="accent5"/>
-          </a:effectRef>
-          <a:fontRef idx="minor">
-            <a:schemeClr val="lt1"/>
-          </a:fontRef>
-        </p:style>
-        <p:txBody>
-          <a:bodyPr rtlCol="0" anchor="ctr"/>
-          <a:lstStyle/>
-          <a:p>
-            <a:pPr algn="ctr"/>
-            <a:r>
-              <a:rPr lang="en-US" dirty="0"/>
-              <a:t>PDU Router</a:t>
-            </a:r>
-          </a:p>
-        </p:txBody>
-      </p:sp>
-      <p:sp>
-        <p:nvSpPr>
-          <p:cNvPr id="50" name="Rounded Rectangle 14">
-            <a:extLst>
-              <a:ext uri="{FF2B5EF4-FFF2-40B4-BE49-F238E27FC236}">
-                <a16:creationId xmlns:a16="http://schemas.microsoft.com/office/drawing/2014/main" id="{5D02AFCA-46E6-412A-A765-FC19F356CF5A}"/>
-              </a:ext>
-            </a:extLst>
-          </p:cNvPr>
-          <p:cNvSpPr/>
-          <p:nvPr/>
-        </p:nvSpPr>
-        <p:spPr>
-          <a:xfrm>
-            <a:off x="7018066" y="3848049"/>
-            <a:ext cx="3657184" cy="664098"/>
-          </a:xfrm>
-          <a:prstGeom prst="roundRect">
-            <a:avLst/>
-          </a:prstGeom>
-          <a:ln/>
-        </p:spPr>
-        <p:style>
-          <a:lnRef idx="2">
-            <a:schemeClr val="accent5">
-              <a:shade val="50000"/>
-            </a:schemeClr>
-          </a:lnRef>
-          <a:fillRef idx="1">
-            <a:schemeClr val="accent5"/>
-          </a:fillRef>
-          <a:effectRef idx="0">
-            <a:schemeClr val="accent5"/>
-          </a:effectRef>
-          <a:fontRef idx="minor">
-            <a:schemeClr val="lt1"/>
-          </a:fontRef>
-        </p:style>
-        <p:txBody>
-          <a:bodyPr rtlCol="0" anchor="ctr"/>
-          <a:lstStyle/>
-          <a:p>
-            <a:pPr algn="ctr"/>
-            <a:r>
-              <a:rPr lang="en-US" dirty="0"/>
-              <a:t>COMM</a:t>
-            </a:r>
-          </a:p>
-        </p:txBody>
-      </p:sp>
-      <p:sp>
-        <p:nvSpPr>
-          <p:cNvPr id="51" name="Rounded Rectangle 14">
-            <a:extLst>
-              <a:ext uri="{FF2B5EF4-FFF2-40B4-BE49-F238E27FC236}">
-                <a16:creationId xmlns:a16="http://schemas.microsoft.com/office/drawing/2014/main" id="{0EE46757-4635-4224-BA63-571707CDBA1A}"/>
-              </a:ext>
-            </a:extLst>
-          </p:cNvPr>
-          <p:cNvSpPr/>
-          <p:nvPr/>
-        </p:nvSpPr>
-        <p:spPr>
-          <a:xfrm>
-            <a:off x="7031414" y="4760049"/>
-            <a:ext cx="3657184" cy="664098"/>
-          </a:xfrm>
-          <a:prstGeom prst="roundRect">
-            <a:avLst/>
-          </a:prstGeom>
-          <a:ln/>
-        </p:spPr>
-        <p:style>
-          <a:lnRef idx="2">
-            <a:schemeClr val="accent5">
-              <a:shade val="50000"/>
-            </a:schemeClr>
-          </a:lnRef>
-          <a:fillRef idx="1">
-            <a:schemeClr val="accent5"/>
-          </a:fillRef>
-          <a:effectRef idx="0">
-            <a:schemeClr val="accent5"/>
-          </a:effectRef>
-          <a:fontRef idx="minor">
-            <a:schemeClr val="lt1"/>
-          </a:fontRef>
-        </p:style>
-        <p:txBody>
-          <a:bodyPr rtlCol="0" anchor="ctr"/>
-          <a:lstStyle/>
-          <a:p>
-            <a:pPr algn="ctr"/>
-            <a:r>
-              <a:rPr lang="en-US" dirty="0"/>
-              <a:t>PDU Router</a:t>
-            </a:r>
-          </a:p>
-        </p:txBody>
-      </p:sp>
     </p:spTree>
     <p:extLst>
       <p:ext uri="{BB962C8B-B14F-4D97-AF65-F5344CB8AC3E}">
